--- a/Economics(CSE-301)/tutorial 3/Unemployment_peco.pptx
+++ b/Economics(CSE-301)/tutorial 3/Unemployment_peco.pptx
@@ -133,7 +133,7 @@
   </p:defaultTextStyle>
   <p:extLst>
     <p:ext uri="{EFAFB233-063F-42B5-8137-9DF3F51BA10A}">
-      <p15:sldGuideLst xmlns="" xmlns:p15="http://schemas.microsoft.com/office/powerpoint/2012/main">
+      <p15:sldGuideLst xmlns:p15="http://schemas.microsoft.com/office/powerpoint/2012/main">
         <p15:guide id="1" orient="horz" pos="2160">
           <p15:clr>
             <a:srgbClr val="A4A3A4"/>
@@ -151,9 +151,9 @@
 </file>
 
 <file path=ppt/charts/chart1.xml><?xml version="1.0" encoding="utf-8"?>
-<c:chartSpace xmlns:c="http://schemas.openxmlformats.org/drawingml/2006/chart" xmlns:a="http://schemas.openxmlformats.org/drawingml/2006/main" xmlns:r="http://schemas.openxmlformats.org/officeDocument/2006/relationships">
+<c:chartSpace xmlns:c="http://schemas.openxmlformats.org/drawingml/2006/chart" xmlns:a="http://schemas.openxmlformats.org/drawingml/2006/main" xmlns:r="http://schemas.openxmlformats.org/officeDocument/2006/relationships" xmlns:c16r2="http://schemas.microsoft.com/office/drawing/2015/06/chart">
   <c:date1904 val="0"/>
-  <c:lang val="en-US"/>
+  <c:lang val="en-GB"/>
   <c:roundedCorners val="0"/>
   <mc:AlternateContent xmlns:mc="http://schemas.openxmlformats.org/markup-compatibility/2006">
     <mc:Choice xmlns:c14="http://schemas.microsoft.com/office/drawing/2007/8/2/chart" Requires="c14">
@@ -180,7 +180,6 @@
           </a:p>
         </c:rich>
       </c:tx>
-      <c:layout/>
       <c:overlay val="0"/>
     </c:title>
     <c:autoTitleDeleted val="0"/>
@@ -351,7 +350,7 @@
             </c:numRef>
           </c:val>
           <c:smooth val="0"/>
-          <c:extLst xmlns:c16r2="http://schemas.microsoft.com/office/drawing/2015/06/chart">
+          <c:extLst>
             <c:ext xmlns:c16="http://schemas.microsoft.com/office/drawing/2014/chart" uri="{C3380CC4-5D6E-409C-BE32-E72D297353CC}">
               <c16:uniqueId val="{00000000-89F6-4A09-84BF-7191B5307AD5}"/>
             </c:ext>
@@ -365,7 +364,6 @@
           <c:showPercent val="0"/>
           <c:showBubbleSize val="0"/>
         </c:dLbls>
-        <c:marker val="1"/>
         <c:smooth val="0"/>
         <c:axId val="131616768"/>
         <c:axId val="131618304"/>
@@ -464,7 +462,7 @@
           <a:cs typeface="+mn-cs"/>
         </a:defRPr>
       </a:pPr>
-      <a:endParaRPr lang="en-US"/>
+      <a:endParaRPr lang="en-BD"/>
     </a:p>
   </c:txPr>
   <c:externalData r:id="rId1">
@@ -555,7 +553,7 @@
           <a:p>
             <a:fld id="{F2BF2FF5-6FFE-4554-A60E-12506167BA6E}" type="datetimeFigureOut">
               <a:rPr lang="en-US" smtClean="0"/>
-              <a:t>10/14/2022</a:t>
+              <a:t>12/16/24</a:t>
             </a:fld>
             <a:endParaRPr lang="en-US"/>
           </a:p>
@@ -1097,7 +1095,7 @@
           <a:p>
             <a:fld id="{55B63046-6900-44D3-8041-1EF44B66F056}" type="datetimeFigureOut">
               <a:rPr lang="en-US" smtClean="0"/>
-              <a:t>10/14/2022</a:t>
+              <a:t>12/16/24</a:t>
             </a:fld>
             <a:endParaRPr lang="en-US"/>
           </a:p>
@@ -1295,7 +1293,7 @@
           <a:p>
             <a:fld id="{55B63046-6900-44D3-8041-1EF44B66F056}" type="datetimeFigureOut">
               <a:rPr lang="en-US" smtClean="0"/>
-              <a:t>10/14/2022</a:t>
+              <a:t>12/16/24</a:t>
             </a:fld>
             <a:endParaRPr lang="en-US"/>
           </a:p>
@@ -1470,7 +1468,7 @@
           <a:p>
             <a:fld id="{55B63046-6900-44D3-8041-1EF44B66F056}" type="datetimeFigureOut">
               <a:rPr lang="en-US" smtClean="0"/>
-              <a:t>10/14/2022</a:t>
+              <a:t>12/16/24</a:t>
             </a:fld>
             <a:endParaRPr lang="en-US"/>
           </a:p>
@@ -1633,7 +1631,7 @@
           <a:p>
             <a:fld id="{55B63046-6900-44D3-8041-1EF44B66F056}" type="datetimeFigureOut">
               <a:rPr lang="en-US" smtClean="0"/>
-              <a:t>10/14/2022</a:t>
+              <a:t>12/16/24</a:t>
             </a:fld>
             <a:endParaRPr lang="en-US"/>
           </a:p>
@@ -1876,7 +1874,7 @@
           <a:p>
             <a:fld id="{55B63046-6900-44D3-8041-1EF44B66F056}" type="datetimeFigureOut">
               <a:rPr lang="en-US" smtClean="0"/>
-              <a:t>10/14/2022</a:t>
+              <a:t>12/16/24</a:t>
             </a:fld>
             <a:endParaRPr lang="en-US"/>
           </a:p>
@@ -2193,7 +2191,7 @@
           <a:p>
             <a:fld id="{55B63046-6900-44D3-8041-1EF44B66F056}" type="datetimeFigureOut">
               <a:rPr lang="en-US" smtClean="0"/>
-              <a:t>10/14/2022</a:t>
+              <a:t>12/16/24</a:t>
             </a:fld>
             <a:endParaRPr lang="en-US"/>
           </a:p>
@@ -2659,7 +2657,7 @@
           <a:p>
             <a:fld id="{55B63046-6900-44D3-8041-1EF44B66F056}" type="datetimeFigureOut">
               <a:rPr lang="en-US" smtClean="0"/>
-              <a:t>10/14/2022</a:t>
+              <a:t>12/16/24</a:t>
             </a:fld>
             <a:endParaRPr lang="en-US"/>
           </a:p>
@@ -2806,7 +2804,7 @@
           <a:p>
             <a:fld id="{55B63046-6900-44D3-8041-1EF44B66F056}" type="datetimeFigureOut">
               <a:rPr lang="en-US" smtClean="0"/>
-              <a:t>10/14/2022</a:t>
+              <a:t>12/16/24</a:t>
             </a:fld>
             <a:endParaRPr lang="en-US"/>
           </a:p>
@@ -2896,7 +2894,7 @@
           <a:p>
             <a:fld id="{55B63046-6900-44D3-8041-1EF44B66F056}" type="datetimeFigureOut">
               <a:rPr lang="en-US" smtClean="0"/>
-              <a:t>10/14/2022</a:t>
+              <a:t>12/16/24</a:t>
             </a:fld>
             <a:endParaRPr lang="en-US"/>
           </a:p>
@@ -3170,7 +3168,7 @@
           <a:p>
             <a:fld id="{55B63046-6900-44D3-8041-1EF44B66F056}" type="datetimeFigureOut">
               <a:rPr lang="en-US" smtClean="0"/>
-              <a:t>10/14/2022</a:t>
+              <a:t>12/16/24</a:t>
             </a:fld>
             <a:endParaRPr lang="en-US"/>
           </a:p>
@@ -3475,7 +3473,7 @@
           <a:p>
             <a:fld id="{55B63046-6900-44D3-8041-1EF44B66F056}" type="datetimeFigureOut">
               <a:rPr lang="en-US" smtClean="0"/>
-              <a:t>10/14/2022</a:t>
+              <a:t>12/16/24</a:t>
             </a:fld>
             <a:endParaRPr lang="en-US"/>
           </a:p>
@@ -3773,7 +3771,7 @@
           <a:p>
             <a:fld id="{55B63046-6900-44D3-8041-1EF44B66F056}" type="datetimeFigureOut">
               <a:rPr lang="en-US" smtClean="0"/>
-              <a:t>10/14/2022</a:t>
+              <a:t>12/16/24</a:t>
             </a:fld>
             <a:endParaRPr lang="en-US"/>
           </a:p>
@@ -4641,7 +4639,11 @@
               </a:buClr>
             </a:pPr>
             <a:r>
-              <a:rPr lang="en-US" dirty="0"/>
+              <a:rPr lang="en-US" dirty="0">
+                <a:highlight>
+                  <a:srgbClr val="00FFFF"/>
+                </a:highlight>
+              </a:rPr>
               <a:t>occurs when workers spend time searching for the jobs that best suit their skills and tastes</a:t>
             </a:r>
           </a:p>
@@ -4692,7 +4694,11 @@
               </a:buClr>
             </a:pPr>
             <a:r>
-              <a:rPr lang="en-US" dirty="0"/>
+              <a:rPr lang="en-US" dirty="0">
+                <a:highlight>
+                  <a:srgbClr val="00FFFF"/>
+                </a:highlight>
+              </a:rPr>
               <a:t>occurs when there are fewer jobs than workers</a:t>
             </a:r>
           </a:p>
@@ -4818,13 +4824,29 @@
             </a:r>
             <a:r>
               <a:rPr lang="en-US" altLang="en-US" dirty="0"/>
-              <a:t> is the process of matching workers </a:t>
+              <a:t> </a:t>
+            </a:r>
+            <a:r>
+              <a:rPr lang="en-US" altLang="en-US" dirty="0">
+                <a:solidFill>
+                  <a:srgbClr val="00B0F0"/>
+                </a:solidFill>
+              </a:rPr>
+              <a:t>is the process of matching workers </a:t>
             </a:r>
             <a:br>
-              <a:rPr lang="en-US" altLang="en-US" dirty="0"/>
+              <a:rPr lang="en-US" altLang="en-US" dirty="0">
+                <a:solidFill>
+                  <a:srgbClr val="00B0F0"/>
+                </a:solidFill>
+              </a:rPr>
             </a:br>
             <a:r>
-              <a:rPr lang="en-US" altLang="en-US" dirty="0"/>
+              <a:rPr lang="en-US" altLang="en-US" dirty="0">
+                <a:solidFill>
+                  <a:srgbClr val="00B0F0"/>
+                </a:solidFill>
+              </a:rPr>
               <a:t>with appropriate jobs.  </a:t>
             </a:r>
           </a:p>
@@ -4844,7 +4866,19 @@
             </a:r>
             <a:r>
               <a:rPr lang="en-US" altLang="en-US" dirty="0"/>
-              <a:t> are changes in the composition of demand across industries or regions of the country. </a:t>
+              <a:t> </a:t>
+            </a:r>
+            <a:r>
+              <a:rPr lang="en-US" altLang="en-US" dirty="0">
+                <a:solidFill>
+                  <a:srgbClr val="00B0F0"/>
+                </a:solidFill>
+              </a:rPr>
+              <a:t>are changes in the composition of demand across industries or regions of the country</a:t>
+            </a:r>
+            <a:r>
+              <a:rPr lang="en-US" altLang="en-US" dirty="0"/>
+              <a:t>. </a:t>
             </a:r>
           </a:p>
           <a:p>
@@ -4975,10 +5009,6 @@
               <a:rPr lang="en-US" altLang="en-US" b="1" dirty="0"/>
               <a:t>  </a:t>
             </a:r>
-            <a:r>
-              <a:rPr lang="en-US" altLang="en-US" dirty="0"/>
-              <a:t/>
-            </a:r>
             <a:br>
               <a:rPr lang="en-US" altLang="en-US" dirty="0"/>
             </a:br>
@@ -5000,10 +5030,6 @@
             <a:r>
               <a:rPr lang="en-US" altLang="en-US" b="1" dirty="0"/>
               <a:t>  </a:t>
-            </a:r>
-            <a:r>
-              <a:rPr lang="en-US" altLang="en-US" dirty="0"/>
-              <a:t/>
             </a:r>
             <a:br>
               <a:rPr lang="en-US" altLang="en-US" dirty="0"/>
@@ -5092,10 +5118,6 @@
               <a:rPr lang="en-US" altLang="en-US" b="1" dirty="0"/>
               <a:t>Unemployment insurance (UI):  </a:t>
             </a:r>
-            <a:r>
-              <a:rPr lang="en-US" altLang="en-US" dirty="0"/>
-              <a:t/>
-            </a:r>
             <a:br>
               <a:rPr lang="en-US" altLang="en-US" dirty="0"/>
             </a:br>
@@ -5232,7 +5254,12 @@
             <p:ph idx="1"/>
           </p:nvPr>
         </p:nvSpPr>
-        <p:spPr/>
+        <p:spPr>
+          <a:xfrm>
+            <a:off x="457200" y="1600200"/>
+            <a:ext cx="8229600" cy="4876800"/>
+          </a:xfrm>
+        </p:spPr>
         <p:txBody>
           <a:bodyPr/>
           <a:lstStyle/>
@@ -5252,6 +5279,9 @@
             </a:pPr>
             <a:r>
               <a:rPr lang="en-US" altLang="en-US" dirty="0">
+                <a:solidFill>
+                  <a:srgbClr val="00B0F0"/>
+                </a:solidFill>
                 <a:cs typeface="Arial" charset="0"/>
               </a:rPr>
               <a:t> Structural Unemployment occurs when wage is kept above equilibrium</a:t>
@@ -5273,12 +5303,18 @@
             </a:pPr>
             <a:r>
               <a:rPr lang="en-US" altLang="en-US" dirty="0">
+                <a:solidFill>
+                  <a:srgbClr val="FF0000"/>
+                </a:solidFill>
                 <a:cs typeface="Arial" charset="0"/>
               </a:rPr>
               <a:t>There are three reasons for this</a:t>
             </a:r>
             <a:r>
               <a:rPr lang="en-US" altLang="en-US" dirty="0">
+                <a:solidFill>
+                  <a:srgbClr val="FF0000"/>
+                </a:solidFill>
                 <a:cs typeface="Arial" charset="0"/>
                 <a:sym typeface="Wingdings" panose="05000000000000000000" pitchFamily="2" charset="2"/>
               </a:rPr>
@@ -5785,15 +5821,27 @@
           <a:lstStyle/>
           <a:p>
             <a:r>
-              <a:rPr lang="en-US" dirty="0"/>
+              <a:rPr lang="en-US" dirty="0">
+                <a:highlight>
+                  <a:srgbClr val="00FFFF"/>
+                </a:highlight>
+              </a:rPr>
               <a:t>A </a:t>
             </a:r>
             <a:r>
-              <a:rPr lang="en-US" i="1" dirty="0"/>
+              <a:rPr lang="en-US" i="1" dirty="0">
+                <a:highlight>
+                  <a:srgbClr val="00FFFF"/>
+                </a:highlight>
+              </a:rPr>
               <a:t>union</a:t>
             </a:r>
             <a:r>
-              <a:rPr lang="en-US" dirty="0"/>
+              <a:rPr lang="en-US" dirty="0">
+                <a:highlight>
+                  <a:srgbClr val="00FFFF"/>
+                </a:highlight>
+              </a:rPr>
               <a:t> is a worker association that bargains with employers over wages and working conditions.  </a:t>
             </a:r>
           </a:p>
@@ -6096,13 +6144,29 @@
             </a:r>
             <a:r>
               <a:rPr lang="en-US" altLang="en-US" dirty="0"/>
-              <a:t> workers who remain employed, </a:t>
+              <a:t> </a:t>
+            </a:r>
+            <a:r>
+              <a:rPr lang="en-US" altLang="en-US" dirty="0">
+                <a:solidFill>
+                  <a:srgbClr val="FF0000"/>
+                </a:solidFill>
+              </a:rPr>
+              <a:t>workers who remain employed, </a:t>
             </a:r>
             <a:br>
-              <a:rPr lang="en-US" altLang="en-US" dirty="0"/>
+              <a:rPr lang="en-US" altLang="en-US" dirty="0">
+                <a:solidFill>
+                  <a:srgbClr val="FF0000"/>
+                </a:solidFill>
+              </a:rPr>
             </a:br>
             <a:r>
-              <a:rPr lang="en-US" altLang="en-US" dirty="0"/>
+              <a:rPr lang="en-US" altLang="en-US" dirty="0">
+                <a:solidFill>
+                  <a:srgbClr val="FF0000"/>
+                </a:solidFill>
+              </a:rPr>
               <a:t>they are better off</a:t>
             </a:r>
           </a:p>
@@ -6119,13 +6183,29 @@
             </a:r>
             <a:r>
               <a:rPr lang="en-US" altLang="en-US" dirty="0"/>
-              <a:t> workers who lose their jobs, </a:t>
+              <a:t> </a:t>
+            </a:r>
+            <a:r>
+              <a:rPr lang="en-US" altLang="en-US" dirty="0">
+                <a:solidFill>
+                  <a:srgbClr val="FF0000"/>
+                </a:solidFill>
+              </a:rPr>
+              <a:t>workers who lose their jobs, </a:t>
             </a:r>
             <a:br>
-              <a:rPr lang="en-US" altLang="en-US" dirty="0"/>
+              <a:rPr lang="en-US" altLang="en-US" dirty="0">
+                <a:solidFill>
+                  <a:srgbClr val="FF0000"/>
+                </a:solidFill>
+              </a:rPr>
             </a:br>
             <a:r>
-              <a:rPr lang="en-US" altLang="en-US" dirty="0"/>
+              <a:rPr lang="en-US" altLang="en-US" dirty="0">
+                <a:solidFill>
+                  <a:srgbClr val="FF0000"/>
+                </a:solidFill>
+              </a:rPr>
               <a:t>they are worse off</a:t>
             </a:r>
           </a:p>
@@ -6222,10 +6302,6 @@
               <a:rPr lang="en-US" altLang="en-US" b="1" i="1" dirty="0"/>
               <a:t>Critics:  </a:t>
             </a:r>
-            <a:r>
-              <a:rPr lang="en-US" altLang="en-US" dirty="0"/>
-              <a:t/>
-            </a:r>
             <a:br>
               <a:rPr lang="en-US" altLang="en-US" dirty="0"/>
             </a:br>
@@ -6241,10 +6317,6 @@
             <a:r>
               <a:rPr lang="en-US" altLang="en-US" b="1" i="1" dirty="0"/>
               <a:t>Advocates:  </a:t>
-            </a:r>
-            <a:r>
-              <a:rPr lang="en-US" altLang="en-US" dirty="0"/>
-              <a:t/>
             </a:r>
             <a:br>
               <a:rPr lang="en-US" altLang="en-US" dirty="0"/>
@@ -6494,14 +6566,6 @@
               </a:rPr>
               <a:t>1. Worker health</a:t>
             </a:r>
-            <a:r>
-              <a:rPr lang="en-US" altLang="en-US" b="1" dirty="0">
-                <a:solidFill>
-                  <a:srgbClr val="996633"/>
-                </a:solidFill>
-              </a:rPr>
-              <a:t/>
-            </a:r>
             <a:br>
               <a:rPr lang="en-US" altLang="en-US" b="1" dirty="0">
                 <a:solidFill>
@@ -6529,14 +6593,6 @@
               </a:rPr>
               <a:t>Worker turnover</a:t>
             </a:r>
-            <a:r>
-              <a:rPr lang="en-US" altLang="en-US" b="1" dirty="0">
-                <a:solidFill>
-                  <a:srgbClr val="996633"/>
-                </a:solidFill>
-              </a:rPr>
-              <a:t/>
-            </a:r>
             <a:br>
               <a:rPr lang="en-US" altLang="en-US" b="1" dirty="0">
                 <a:solidFill>
@@ -6572,14 +6628,6 @@
               </a:rPr>
               <a:t>Worker quality</a:t>
             </a:r>
-            <a:r>
-              <a:rPr lang="en-US" altLang="en-US" b="1" dirty="0">
-                <a:solidFill>
-                  <a:srgbClr val="996633"/>
-                </a:solidFill>
-              </a:rPr>
-              <a:t/>
-            </a:r>
             <a:br>
               <a:rPr lang="en-US" altLang="en-US" b="1" dirty="0">
                 <a:solidFill>
@@ -6607,14 +6655,6 @@
                 </a:solidFill>
               </a:rPr>
               <a:t>Worker effort</a:t>
-            </a:r>
-            <a:r>
-              <a:rPr lang="en-US" altLang="en-US" b="1" dirty="0">
-                <a:solidFill>
-                  <a:srgbClr val="996633"/>
-                </a:solidFill>
-              </a:rPr>
-              <a:t/>
             </a:r>
             <a:br>
               <a:rPr lang="en-US" altLang="en-US" b="1" dirty="0">
@@ -7160,8 +7200,8 @@
           </a:p>
         </p:txBody>
       </p:sp>
-      <mc:AlternateContent xmlns:mc="http://schemas.openxmlformats.org/markup-compatibility/2006" xmlns:a14="http://schemas.microsoft.com/office/drawing/2010/main">
-        <mc:Choice Requires="a14">
+      <mc:AlternateContent xmlns:mc="http://schemas.openxmlformats.org/markup-compatibility/2006">
+        <mc:Choice xmlns:a14="http://schemas.microsoft.com/office/drawing/2010/main" Requires="a14">
           <p:sp>
             <p:nvSpPr>
               <p:cNvPr id="3" name="Content Placeholder 2"/>
@@ -7190,7 +7230,16 @@
                   <a:rPr lang="en-US" dirty="0">
                     <a:cs typeface="Arial" charset="0"/>
                   </a:rPr>
-                  <a:t> (“u-rate”):  % of the labor force that is unemployed</a:t>
+                  <a:t> (“u-rate”):  </a:t>
+                </a:r>
+                <a:r>
+                  <a:rPr lang="en-US" dirty="0">
+                    <a:solidFill>
+                      <a:srgbClr val="00B0F0"/>
+                    </a:solidFill>
+                    <a:cs typeface="Arial" charset="0"/>
+                  </a:rPr>
+                  <a:t>% of the labor force that is unemployed</a:t>
                 </a:r>
               </a:p>
               <a:p>
@@ -7207,7 +7256,7 @@
                       <m:fPr>
                         <m:ctrlPr>
                           <a:rPr lang="en-US" i="1" smtClean="0">
-                            <a:latin typeface="Cambria Math"/>
+                            <a:latin typeface="Cambria Math" panose="02040503050406030204" pitchFamily="18" charset="0"/>
                           </a:rPr>
                         </m:ctrlPr>
                       </m:fPr>
@@ -7294,6 +7343,9 @@
                 </a:br>
                 <a:r>
                   <a:rPr lang="en-US" dirty="0">
+                    <a:solidFill>
+                      <a:srgbClr val="00B0F0"/>
+                    </a:solidFill>
                     <a:cs typeface="Arial" charset="0"/>
                   </a:rPr>
                   <a:t>% of the adult population that is in the labor force </a:t>
@@ -7310,7 +7362,7 @@
                       <m:fPr>
                         <m:ctrlPr>
                           <a:rPr lang="en-US" i="1" smtClean="0">
-                            <a:latin typeface="Cambria Math"/>
+                            <a:latin typeface="Cambria Math" panose="02040503050406030204" pitchFamily="18" charset="0"/>
                           </a:rPr>
                         </m:ctrlPr>
                       </m:fPr>
@@ -7365,7 +7417,7 @@
             </p:txBody>
           </p:sp>
         </mc:Choice>
-        <mc:Fallback xmlns="">
+        <mc:Fallback>
           <p:sp>
             <p:nvSpPr>
               <p:cNvPr id="3" name="Content Placeholder 2"/>
@@ -7377,10 +7429,10 @@
               </p:nvPr>
             </p:nvSpPr>
             <p:spPr>
-              <a:blipFill rotWithShape="1">
+              <a:blipFill>
                 <a:blip r:embed="rId2"/>
                 <a:stretch>
-                  <a:fillRect l="-593" t="-875"/>
+                  <a:fillRect l="-772" t="-1299"/>
                 </a:stretch>
               </a:blipFill>
             </p:spPr>
@@ -7389,7 +7441,7 @@
               <a:lstStyle/>
               <a:p>
                 <a:r>
-                  <a:rPr lang="en-US">
+                  <a:rPr lang="en-BD">
                     <a:noFill/>
                   </a:rPr>
                   <a:t> </a:t>
@@ -7446,10 +7498,6 @@
           </a:bodyPr>
           <a:lstStyle/>
           <a:p>
-            <a:r>
-              <a:rPr lang="en-US" sz="2800" dirty="0"/>
-              <a:t/>
-            </a:r>
             <a:br>
               <a:rPr lang="en-US" sz="2800" dirty="0"/>
             </a:br>
@@ -8009,13 +8057,8 @@
           <a:p>
             <a:r>
               <a:rPr lang="en-US" dirty="0"/>
-              <a:t>Natural rate and Cyclical </a:t>
-            </a:r>
-            <a:r>
-              <a:rPr lang="en-US" dirty="0" smtClean="0"/>
-              <a:t>Unemployment</a:t>
-            </a:r>
-            <a:endParaRPr lang="en-US" dirty="0"/>
+              <a:t>Natural rate and Cyclical Unemployment</a:t>
+            </a:r>
           </a:p>
         </p:txBody>
       </p:sp>
